--- a/Media/Progress Presentation.pptx
+++ b/Media/Progress Presentation.pptx
@@ -108,6 +108,11 @@
       </a:defRPr>
     </a:lvl9pPr>
   </p:defaultTextStyle>
+  <p:extLst>
+    <p:ext uri="{EFAFB233-063F-42B5-8137-9DF3F51BA10A}">
+      <p15:sldGuideLst xmlns:p15="http://schemas.microsoft.com/office/powerpoint/2012/main"/>
+    </p:ext>
+  </p:extLst>
 </p:presentation>
 </file>
 
@@ -303,7 +308,7 @@
             <a:fld id="{B61BEF0D-F0BB-DE4B-95CE-6DB70DBA9567}" type="datetimeFigureOut">
               <a:rPr lang="en-US" dirty="0"/>
               <a:pPr/>
-              <a:t>4/14/2019</a:t>
+              <a:t>4/16/2019</a:t>
             </a:fld>
             <a:endParaRPr lang="en-US" dirty="0"/>
           </a:p>
@@ -736,7 +741,7 @@
             <a:fld id="{B61BEF0D-F0BB-DE4B-95CE-6DB70DBA9567}" type="datetimeFigureOut">
               <a:rPr lang="en-US" dirty="0"/>
               <a:pPr/>
-              <a:t>4/14/2019</a:t>
+              <a:t>4/16/2019</a:t>
             </a:fld>
             <a:endParaRPr lang="en-US" dirty="0"/>
           </a:p>
@@ -983,7 +988,7 @@
             <a:fld id="{B61BEF0D-F0BB-DE4B-95CE-6DB70DBA9567}" type="datetimeFigureOut">
               <a:rPr lang="en-US" dirty="0"/>
               <a:pPr/>
-              <a:t>4/14/2019</a:t>
+              <a:t>4/16/2019</a:t>
             </a:fld>
             <a:endParaRPr lang="en-US" dirty="0"/>
           </a:p>
@@ -1288,7 +1293,7 @@
             <a:fld id="{B61BEF0D-F0BB-DE4B-95CE-6DB70DBA9567}" type="datetimeFigureOut">
               <a:rPr lang="en-US" dirty="0"/>
               <a:pPr/>
-              <a:t>4/14/2019</a:t>
+              <a:t>4/16/2019</a:t>
             </a:fld>
             <a:endParaRPr lang="en-US" dirty="0"/>
           </a:p>
@@ -1603,7 +1608,7 @@
             <a:fld id="{B61BEF0D-F0BB-DE4B-95CE-6DB70DBA9567}" type="datetimeFigureOut">
               <a:rPr lang="en-US" dirty="0"/>
               <a:pPr/>
-              <a:t>4/14/2019</a:t>
+              <a:t>4/16/2019</a:t>
             </a:fld>
             <a:endParaRPr lang="en-US" dirty="0"/>
           </a:p>
@@ -1902,7 +1907,7 @@
             <a:fld id="{B61BEF0D-F0BB-DE4B-95CE-6DB70DBA9567}" type="datetimeFigureOut">
               <a:rPr lang="en-US" dirty="0"/>
               <a:pPr/>
-              <a:t>4/14/2019</a:t>
+              <a:t>4/16/2019</a:t>
             </a:fld>
             <a:endParaRPr lang="en-US" dirty="0"/>
           </a:p>
@@ -2266,7 +2271,7 @@
             <a:fld id="{B61BEF0D-F0BB-DE4B-95CE-6DB70DBA9567}" type="datetimeFigureOut">
               <a:rPr lang="en-US" dirty="0"/>
               <a:pPr/>
-              <a:t>4/14/2019</a:t>
+              <a:t>4/16/2019</a:t>
             </a:fld>
             <a:endParaRPr lang="en-US" dirty="0"/>
           </a:p>
@@ -2437,7 +2442,7 @@
             <a:fld id="{B61BEF0D-F0BB-DE4B-95CE-6DB70DBA9567}" type="datetimeFigureOut">
               <a:rPr lang="en-US" dirty="0"/>
               <a:pPr/>
-              <a:t>4/14/2019</a:t>
+              <a:t>4/16/2019</a:t>
             </a:fld>
             <a:endParaRPr lang="en-US" dirty="0"/>
           </a:p>
@@ -2614,7 +2619,7 @@
             <a:fld id="{B61BEF0D-F0BB-DE4B-95CE-6DB70DBA9567}" type="datetimeFigureOut">
               <a:rPr lang="en-US" dirty="0"/>
               <a:pPr/>
-              <a:t>4/14/2019</a:t>
+              <a:t>4/16/2019</a:t>
             </a:fld>
             <a:endParaRPr lang="en-US" dirty="0"/>
           </a:p>
@@ -2781,7 +2786,7 @@
             <a:fld id="{B61BEF0D-F0BB-DE4B-95CE-6DB70DBA9567}" type="datetimeFigureOut">
               <a:rPr lang="en-US" dirty="0"/>
               <a:pPr/>
-              <a:t>4/14/2019</a:t>
+              <a:t>4/16/2019</a:t>
             </a:fld>
             <a:endParaRPr lang="en-US" dirty="0"/>
           </a:p>
@@ -3028,7 +3033,7 @@
             <a:fld id="{B61BEF0D-F0BB-DE4B-95CE-6DB70DBA9567}" type="datetimeFigureOut">
               <a:rPr lang="en-US" dirty="0"/>
               <a:pPr/>
-              <a:t>4/14/2019</a:t>
+              <a:t>4/16/2019</a:t>
             </a:fld>
             <a:endParaRPr lang="en-US" dirty="0"/>
           </a:p>
@@ -3261,7 +3266,7 @@
             <a:fld id="{B61BEF0D-F0BB-DE4B-95CE-6DB70DBA9567}" type="datetimeFigureOut">
               <a:rPr lang="en-US" dirty="0"/>
               <a:pPr/>
-              <a:t>4/14/2019</a:t>
+              <a:t>4/16/2019</a:t>
             </a:fld>
             <a:endParaRPr lang="en-US" dirty="0"/>
           </a:p>
@@ -3640,7 +3645,7 @@
             <a:fld id="{B61BEF0D-F0BB-DE4B-95CE-6DB70DBA9567}" type="datetimeFigureOut">
               <a:rPr lang="en-US" dirty="0"/>
               <a:pPr/>
-              <a:t>4/14/2019</a:t>
+              <a:t>4/16/2019</a:t>
             </a:fld>
             <a:endParaRPr lang="en-US" dirty="0"/>
           </a:p>
@@ -3755,7 +3760,7 @@
             <a:fld id="{B61BEF0D-F0BB-DE4B-95CE-6DB70DBA9567}" type="datetimeFigureOut">
               <a:rPr lang="en-US" dirty="0"/>
               <a:pPr/>
-              <a:t>4/14/2019</a:t>
+              <a:t>4/16/2019</a:t>
             </a:fld>
             <a:endParaRPr lang="en-US" dirty="0"/>
           </a:p>
@@ -3847,7 +3852,7 @@
             <a:fld id="{B61BEF0D-F0BB-DE4B-95CE-6DB70DBA9567}" type="datetimeFigureOut">
               <a:rPr lang="en-US" dirty="0"/>
               <a:pPr/>
-              <a:t>4/14/2019</a:t>
+              <a:t>4/16/2019</a:t>
             </a:fld>
             <a:endParaRPr lang="en-US" dirty="0"/>
           </a:p>
@@ -4099,7 +4104,7 @@
             <a:fld id="{B61BEF0D-F0BB-DE4B-95CE-6DB70DBA9567}" type="datetimeFigureOut">
               <a:rPr lang="en-US" dirty="0"/>
               <a:pPr/>
-              <a:t>4/14/2019</a:t>
+              <a:t>4/16/2019</a:t>
             </a:fld>
             <a:endParaRPr lang="en-US" dirty="0"/>
           </a:p>
@@ -4379,7 +4384,7 @@
             <a:fld id="{B61BEF0D-F0BB-DE4B-95CE-6DB70DBA9567}" type="datetimeFigureOut">
               <a:rPr lang="en-US" dirty="0"/>
               <a:pPr/>
-              <a:t>4/14/2019</a:t>
+              <a:t>4/16/2019</a:t>
             </a:fld>
             <a:endParaRPr lang="en-US" dirty="0"/>
           </a:p>
@@ -4782,7 +4787,7 @@
             <a:fld id="{B61BEF0D-F0BB-DE4B-95CE-6DB70DBA9567}" type="datetimeFigureOut">
               <a:rPr lang="en-US" dirty="0"/>
               <a:pPr/>
-              <a:t>4/14/2019</a:t>
+              <a:t>4/16/2019</a:t>
             </a:fld>
             <a:endParaRPr lang="en-US" dirty="0"/>
           </a:p>
@@ -7607,7 +7612,7 @@
           <a:lstStyle/>
           <a:p>
             <a:r>
-              <a:rPr lang="en-US" sz="3200">
+              <a:rPr lang="en-US" sz="3200" dirty="0">
                 <a:solidFill>
                   <a:srgbClr val="FFFFFF"/>
                 </a:solidFill>
@@ -7741,6 +7746,16 @@
                 </a:solidFill>
               </a:rPr>
               <a:t>Multiplayer/computer player</a:t>
+            </a:r>
+          </a:p>
+          <a:p>
+            <a:r>
+              <a:rPr lang="en-US" sz="1800" dirty="0">
+                <a:solidFill>
+                  <a:srgbClr val="0F496F"/>
+                </a:solidFill>
+              </a:rPr>
+              <a:t>Create frame</a:t>
             </a:r>
           </a:p>
         </p:txBody>

--- a/Media/Progress Presentation.pptx
+++ b/Media/Progress Presentation.pptx
@@ -7745,7 +7745,7 @@
                   <a:srgbClr val="0F496F"/>
                 </a:solidFill>
               </a:rPr>
-              <a:t>Multiplayer/computer player</a:t>
+              <a:t>UART Multiplayer/computer player</a:t>
             </a:r>
           </a:p>
           <a:p>
